--- a/static/ppt/multi-image-ppt.pptx
+++ b/static/ppt/multi-image-ppt.pptx
@@ -3197,7 +3197,7 @@
       </p:grpSpPr>
       <p:pic>
         <p:nvPicPr>
-          <p:cNvPr descr="multi-image-ppt_files/figure-pptx/unnamed-chunk-1-1.png" id="0" name="Picture 1"/>
+          <p:cNvPr descr="multi-image-ppt_files/figure-pptx/unnamed-chunk-1-1.svg" id="0" name="Picture 1"/>
           <p:cNvPicPr>
             <a:picLocks noGrp="1" noChangeAspect="1"/>
           </p:cNvPicPr>
